--- a/Level A/A2/A2 разбор.pptx
+++ b/Level A/A2/A2 разбор.pptx
@@ -1415,7 +1415,7 @@
           <a:p>
             <a:fld id="{923A50A4-B68D-486C-AEB1-3FB3DFD6165B}" type="datetimeFigureOut">
               <a:rPr lang="ru-RU" smtClean="0"/>
-              <a:t>11.05.2020</a:t>
+              <a:t>16.05.2020</a:t>
             </a:fld>
             <a:endParaRPr lang="ru-RU"/>
           </a:p>
@@ -2487,7 +2487,7 @@
           <a:p>
             <a:fld id="{EA0C0817-A112-4847-8014-A94B7D2A4EA3}" type="datetime1">
               <a:rPr lang="en-US" smtClean="0"/>
-              <a:t>5/11/2020</a:t>
+              <a:t>5/16/2020</a:t>
             </a:fld>
             <a:endParaRPr lang="en-US" dirty="0"/>
           </a:p>
@@ -2689,7 +2689,7 @@
           <a:p>
             <a:fld id="{134F40B7-36AB-4376-BE14-EF7004D79BB9}" type="datetime1">
               <a:rPr lang="en-US" smtClean="0"/>
-              <a:t>5/11/2020</a:t>
+              <a:t>5/16/2020</a:t>
             </a:fld>
             <a:endParaRPr lang="en-US"/>
           </a:p>
@@ -2869,7 +2869,7 @@
           <a:p>
             <a:fld id="{FF87CAB8-DCAE-46A5-AADA-B3FAD11A54E0}" type="datetime1">
               <a:rPr lang="en-US" smtClean="0"/>
-              <a:t>5/11/2020</a:t>
+              <a:t>5/16/2020</a:t>
             </a:fld>
             <a:endParaRPr lang="en-US"/>
           </a:p>
@@ -3039,7 +3039,7 @@
           <a:p>
             <a:fld id="{7332B432-ACDA-4023-A761-2BAB76577B62}" type="datetime1">
               <a:rPr lang="en-US" smtClean="0"/>
-              <a:t>5/11/2020</a:t>
+              <a:t>5/16/2020</a:t>
             </a:fld>
             <a:endParaRPr lang="en-US"/>
           </a:p>
@@ -3638,7 +3638,7 @@
           <a:p>
             <a:fld id="{D9C646AA-F36E-4540-911D-FFFC0A0EF24A}" type="datetime1">
               <a:rPr lang="en-US" smtClean="0"/>
-              <a:t>5/11/2020</a:t>
+              <a:t>5/16/2020</a:t>
             </a:fld>
             <a:endParaRPr lang="en-US" dirty="0"/>
           </a:p>
@@ -3958,7 +3958,7 @@
           <a:p>
             <a:fld id="{69186D26-FA5F-4637-B602-B7C2DC34CFD4}" type="datetime1">
               <a:rPr lang="en-US" smtClean="0"/>
-              <a:t>5/11/2020</a:t>
+              <a:t>5/16/2020</a:t>
             </a:fld>
             <a:endParaRPr lang="en-US"/>
           </a:p>
@@ -4393,7 +4393,7 @@
           <a:p>
             <a:fld id="{8A7F15D8-96D1-4781-BC50-CA8A088B2FE4}" type="datetime1">
               <a:rPr lang="en-US" smtClean="0"/>
-              <a:t>5/11/2020</a:t>
+              <a:t>5/16/2020</a:t>
             </a:fld>
             <a:endParaRPr lang="en-US"/>
           </a:p>
@@ -4511,7 +4511,7 @@
           <a:p>
             <a:fld id="{F9A96C99-B8F8-4528-BD05-0E16E943DC09}" type="datetime1">
               <a:rPr lang="en-US" smtClean="0"/>
-              <a:t>5/11/2020</a:t>
+              <a:t>5/16/2020</a:t>
             </a:fld>
             <a:endParaRPr lang="en-US"/>
           </a:p>
@@ -4606,7 +4606,7 @@
           <a:p>
             <a:fld id="{03636942-C211-4B28-8DBD-C953E00AF71B}" type="datetime1">
               <a:rPr lang="en-US" smtClean="0"/>
-              <a:t>5/11/2020</a:t>
+              <a:t>5/16/2020</a:t>
             </a:fld>
             <a:endParaRPr lang="en-US"/>
           </a:p>
@@ -5023,7 +5023,7 @@
           <a:p>
             <a:fld id="{7E8D12A6-918A-48BD-8CB9-CA713993B0EA}" type="datetime1">
               <a:rPr lang="en-US" smtClean="0"/>
-              <a:t>5/11/2020</a:t>
+              <a:t>5/16/2020</a:t>
             </a:fld>
             <a:endParaRPr lang="en-US"/>
           </a:p>
@@ -5285,7 +5285,7 @@
             <a:fld id="{E778CE86-875F-4587-BCF6-FA054AFC0D53}" type="datetime1">
               <a:rPr lang="en-US" smtClean="0"/>
               <a:pPr/>
-              <a:t>5/11/2020</a:t>
+              <a:t>5/16/2020</a:t>
             </a:fld>
             <a:endParaRPr lang="en-US" dirty="0"/>
           </a:p>
@@ -5801,7 +5801,7 @@
           <a:p>
             <a:fld id="{F6FA2B21-3FCD-4721-B95C-427943F61125}" type="datetime1">
               <a:rPr lang="en-US" smtClean="0"/>
-              <a:t>5/11/2020</a:t>
+              <a:t>5/16/2020</a:t>
             </a:fld>
             <a:endParaRPr lang="en-US"/>
           </a:p>
@@ -6513,7 +6513,7 @@
           <a:p>
             <a:r>
               <a:rPr lang="ru-RU" dirty="0"/>
-              <a:t>Задача вторая</a:t>
+              <a:t>Задача</a:t>
             </a:r>
           </a:p>
         </p:txBody>
